--- a/Dóra Marcell/A mesterséges inteligencia.pptx
+++ b/Dóra Marcell/A mesterséges inteligencia.pptx
@@ -116,6 +116,11 @@
       </a:defRPr>
     </a:lvl9pPr>
   </p:defaultTextStyle>
+  <p:extLst>
+    <p:ext uri="{EFAFB233-063F-42B5-8137-9DF3F51BA10A}">
+      <p15:sldGuideLst xmlns:p15="http://schemas.microsoft.com/office/powerpoint/2012/main"/>
+    </p:ext>
+  </p:extLst>
 </p:presentation>
 </file>
 
@@ -305,7 +310,7 @@
           <a:p>
             <a:fld id="{4B4FBA3F-E447-4523-9CA9-27416FECF26A}" type="datetimeFigureOut">
               <a:rPr lang="hu-HU" smtClean="0"/>
-              <a:t>2024.09.17.</a:t>
+              <a:t>2024.09.24.</a:t>
             </a:fld>
             <a:endParaRPr lang="hu-HU"/>
           </a:p>
@@ -580,7 +585,7 @@
           <a:p>
             <a:fld id="{4B4FBA3F-E447-4523-9CA9-27416FECF26A}" type="datetimeFigureOut">
               <a:rPr lang="hu-HU" smtClean="0"/>
-              <a:t>2024.09.17.</a:t>
+              <a:t>2024.09.24.</a:t>
             </a:fld>
             <a:endParaRPr lang="hu-HU"/>
           </a:p>
@@ -774,7 +779,7 @@
           <a:p>
             <a:fld id="{4B4FBA3F-E447-4523-9CA9-27416FECF26A}" type="datetimeFigureOut">
               <a:rPr lang="hu-HU" smtClean="0"/>
-              <a:t>2024.09.17.</a:t>
+              <a:t>2024.09.24.</a:t>
             </a:fld>
             <a:endParaRPr lang="hu-HU"/>
           </a:p>
@@ -1047,7 +1052,7 @@
           <a:p>
             <a:fld id="{4B4FBA3F-E447-4523-9CA9-27416FECF26A}" type="datetimeFigureOut">
               <a:rPr lang="hu-HU" smtClean="0"/>
-              <a:t>2024.09.17.</a:t>
+              <a:t>2024.09.24.</a:t>
             </a:fld>
             <a:endParaRPr lang="hu-HU"/>
           </a:p>
@@ -1388,7 +1393,7 @@
           <a:p>
             <a:fld id="{4B4FBA3F-E447-4523-9CA9-27416FECF26A}" type="datetimeFigureOut">
               <a:rPr lang="hu-HU" smtClean="0"/>
-              <a:t>2024.09.17.</a:t>
+              <a:t>2024.09.24.</a:t>
             </a:fld>
             <a:endParaRPr lang="hu-HU"/>
           </a:p>
@@ -2011,7 +2016,7 @@
           <a:p>
             <a:fld id="{4B4FBA3F-E447-4523-9CA9-27416FECF26A}" type="datetimeFigureOut">
               <a:rPr lang="hu-HU" smtClean="0"/>
-              <a:t>2024.09.17.</a:t>
+              <a:t>2024.09.24.</a:t>
             </a:fld>
             <a:endParaRPr lang="hu-HU"/>
           </a:p>
@@ -2871,7 +2876,7 @@
           <a:p>
             <a:fld id="{4B4FBA3F-E447-4523-9CA9-27416FECF26A}" type="datetimeFigureOut">
               <a:rPr lang="hu-HU" smtClean="0"/>
-              <a:t>2024.09.17.</a:t>
+              <a:t>2024.09.24.</a:t>
             </a:fld>
             <a:endParaRPr lang="hu-HU"/>
           </a:p>
@@ -3041,7 +3046,7 @@
           <a:p>
             <a:fld id="{4B4FBA3F-E447-4523-9CA9-27416FECF26A}" type="datetimeFigureOut">
               <a:rPr lang="hu-HU" smtClean="0"/>
-              <a:t>2024.09.17.</a:t>
+              <a:t>2024.09.24.</a:t>
             </a:fld>
             <a:endParaRPr lang="hu-HU"/>
           </a:p>
@@ -3221,7 +3226,7 @@
           <a:p>
             <a:fld id="{4B4FBA3F-E447-4523-9CA9-27416FECF26A}" type="datetimeFigureOut">
               <a:rPr lang="hu-HU" smtClean="0"/>
-              <a:t>2024.09.17.</a:t>
+              <a:t>2024.09.24.</a:t>
             </a:fld>
             <a:endParaRPr lang="hu-HU"/>
           </a:p>
@@ -3391,7 +3396,7 @@
           <a:p>
             <a:fld id="{4B4FBA3F-E447-4523-9CA9-27416FECF26A}" type="datetimeFigureOut">
               <a:rPr lang="hu-HU" smtClean="0"/>
-              <a:t>2024.09.17.</a:t>
+              <a:t>2024.09.24.</a:t>
             </a:fld>
             <a:endParaRPr lang="hu-HU"/>
           </a:p>
@@ -3638,7 +3643,7 @@
           <a:p>
             <a:fld id="{4B4FBA3F-E447-4523-9CA9-27416FECF26A}" type="datetimeFigureOut">
               <a:rPr lang="hu-HU" smtClean="0"/>
-              <a:t>2024.09.17.</a:t>
+              <a:t>2024.09.24.</a:t>
             </a:fld>
             <a:endParaRPr lang="hu-HU"/>
           </a:p>
@@ -3930,7 +3935,7 @@
           <a:p>
             <a:fld id="{4B4FBA3F-E447-4523-9CA9-27416FECF26A}" type="datetimeFigureOut">
               <a:rPr lang="hu-HU" smtClean="0"/>
-              <a:t>2024.09.17.</a:t>
+              <a:t>2024.09.24.</a:t>
             </a:fld>
             <a:endParaRPr lang="hu-HU"/>
           </a:p>
@@ -4374,7 +4379,7 @@
           <a:p>
             <a:fld id="{4B4FBA3F-E447-4523-9CA9-27416FECF26A}" type="datetimeFigureOut">
               <a:rPr lang="hu-HU" smtClean="0"/>
-              <a:t>2024.09.17.</a:t>
+              <a:t>2024.09.24.</a:t>
             </a:fld>
             <a:endParaRPr lang="hu-HU"/>
           </a:p>
@@ -4492,7 +4497,7 @@
           <a:p>
             <a:fld id="{4B4FBA3F-E447-4523-9CA9-27416FECF26A}" type="datetimeFigureOut">
               <a:rPr lang="hu-HU" smtClean="0"/>
-              <a:t>2024.09.17.</a:t>
+              <a:t>2024.09.24.</a:t>
             </a:fld>
             <a:endParaRPr lang="hu-HU"/>
           </a:p>
@@ -4587,7 +4592,7 @@
           <a:p>
             <a:fld id="{4B4FBA3F-E447-4523-9CA9-27416FECF26A}" type="datetimeFigureOut">
               <a:rPr lang="hu-HU" smtClean="0"/>
-              <a:t>2024.09.17.</a:t>
+              <a:t>2024.09.24.</a:t>
             </a:fld>
             <a:endParaRPr lang="hu-HU"/>
           </a:p>
@@ -4866,7 +4871,7 @@
           <a:p>
             <a:fld id="{4B4FBA3F-E447-4523-9CA9-27416FECF26A}" type="datetimeFigureOut">
               <a:rPr lang="hu-HU" smtClean="0"/>
-              <a:t>2024.09.17.</a:t>
+              <a:t>2024.09.24.</a:t>
             </a:fld>
             <a:endParaRPr lang="hu-HU"/>
           </a:p>
@@ -5141,7 +5146,7 @@
           <a:p>
             <a:fld id="{4B4FBA3F-E447-4523-9CA9-27416FECF26A}" type="datetimeFigureOut">
               <a:rPr lang="hu-HU" smtClean="0"/>
-              <a:t>2024.09.17.</a:t>
+              <a:t>2024.09.24.</a:t>
             </a:fld>
             <a:endParaRPr lang="hu-HU"/>
           </a:p>
@@ -5570,7 +5575,7 @@
           <a:p>
             <a:fld id="{4B4FBA3F-E447-4523-9CA9-27416FECF26A}" type="datetimeFigureOut">
               <a:rPr lang="hu-HU" smtClean="0"/>
-              <a:t>2024.09.17.</a:t>
+              <a:t>2024.09.24.</a:t>
             </a:fld>
             <a:endParaRPr lang="hu-HU"/>
           </a:p>
@@ -6811,7 +6816,12 @@
             <p:ph idx="1"/>
           </p:nvPr>
         </p:nvSpPr>
-        <p:spPr/>
+        <p:spPr>
+          <a:xfrm>
+            <a:off x="1103313" y="2052918"/>
+            <a:ext cx="6144776" cy="4195481"/>
+          </a:xfrm>
+        </p:spPr>
         <p:txBody>
           <a:bodyPr/>
           <a:lstStyle/>
@@ -6819,6 +6829,20 @@
             <a:r>
               <a:rPr lang="hu-HU" dirty="0"/>
               <a:t>	A digitális ezközök jövője!</a:t>
+            </a:r>
+          </a:p>
+          <a:p>
+            <a:r>
+              <a:rPr lang="hu-HU" dirty="0"/>
+              <a:t>A mesterséges intelligencia (MI) kutatása 1956-ban kezdődött az amerikai </a:t>
+            </a:r>
+            <a:r>
+              <a:rPr lang="hu-HU" dirty="0" err="1"/>
+              <a:t>Dartmouth</a:t>
+            </a:r>
+            <a:r>
+              <a:rPr lang="hu-HU" dirty="0"/>
+              <a:t> College egyik nyári workshopján. Úgy gondolták, tíz tudós két hónap munkával le tudja fektetni egy olyan masina alapjait, amely képes nyelvhasználatra, elvont fogalmak kezelésére, olyan problémák megoldására, amelyek addig kizárólag embereknek sikerültek, illetve önmaga tökéletesítésére.</a:t>
             </a:r>
           </a:p>
         </p:txBody>
@@ -6852,7 +6876,7 @@
         </p:blipFill>
         <p:spPr bwMode="auto">
           <a:xfrm>
-            <a:off x="5902049" y="1853248"/>
+            <a:off x="7248089" y="2001408"/>
             <a:ext cx="4290575" cy="2855183"/>
           </a:xfrm>
           <a:prstGeom prst="rect">
@@ -6960,14 +6984,25 @@
             <p:ph idx="1"/>
           </p:nvPr>
         </p:nvSpPr>
-        <p:spPr/>
+        <p:spPr>
+          <a:xfrm>
+            <a:off x="1103312" y="2052918"/>
+            <a:ext cx="6203499" cy="4195481"/>
+          </a:xfrm>
+        </p:spPr>
         <p:txBody>
           <a:bodyPr/>
           <a:lstStyle/>
           <a:p>
             <a:r>
               <a:rPr lang="hu-HU" dirty="0"/>
-              <a:t>• Az ókori automaták és mechanikus szerkezetek, mint az első próbálkozások az intelligens gépek létrehozására</a:t>
+              <a:t>• Az ókori automaták és mechanikus szerkezetek, mint az első próbálkozások az intelligens gépek létrehozására.</a:t>
+            </a:r>
+          </a:p>
+          <a:p>
+            <a:r>
+              <a:rPr lang="hu-HU" dirty="0"/>
+              <a:t>Ezt az algoritmust olyan gépek létrehozására használták, amelyek képesek voltak felismerni és kategorizálni képeket. Az 1960-as években jelent meg a gépi tanulás, amely a gépeknek lehetőséget adott, hogy adatokból tanuljanak anélkül, hogy kifejezetten programoznák őket. Ennek az első chatbot volt az eredménye, amit ELIZA névre kereszteltek.</a:t>
             </a:r>
           </a:p>
         </p:txBody>
@@ -7001,7 +7036,7 @@
         </p:blipFill>
         <p:spPr bwMode="auto">
           <a:xfrm>
-            <a:off x="1472879" y="3197298"/>
+            <a:off x="7457812" y="1982445"/>
             <a:ext cx="4557859" cy="2893109"/>
           </a:xfrm>
           <a:prstGeom prst="rect">
@@ -7098,30 +7133,109 @@
             <p:ph idx="1"/>
           </p:nvPr>
         </p:nvSpPr>
-        <p:spPr/>
+        <p:spPr>
+          <a:xfrm>
+            <a:off x="1103312" y="2052918"/>
+            <a:ext cx="5867939" cy="4195481"/>
+          </a:xfrm>
+        </p:spPr>
         <p:txBody>
           <a:bodyPr/>
           <a:lstStyle/>
           <a:p>
             <a:r>
+              <a:rPr lang="hu-HU" b="1" dirty="0"/>
+              <a:t>Alan Turing </a:t>
+            </a:r>
+            <a:r>
               <a:rPr lang="hu-HU" dirty="0"/>
+              <a:t>munkássága és a Turing-teszt bevezetése (1950)</a:t>
+            </a:r>
+          </a:p>
+          <a:p>
+            <a:r>
+              <a:rPr lang="hu-HU" dirty="0"/>
+              <a:t>Az 1910-es években </a:t>
+            </a:r>
+            <a:r>
+              <a:rPr lang="hu-HU" b="1" dirty="0"/>
+              <a:t>Bertrand Russell</a:t>
+            </a:r>
+            <a:r>
+              <a:rPr lang="hu-HU" dirty="0"/>
+              <a:t> és </a:t>
+            </a:r>
+            <a:r>
+              <a:rPr lang="hu-HU" b="1" dirty="0"/>
+              <a:t>Alfred </a:t>
+            </a:r>
+            <a:r>
+              <a:rPr lang="hu-HU" b="1" dirty="0" err="1"/>
+              <a:t>North</a:t>
+            </a:r>
+            <a:r>
+              <a:rPr lang="hu-HU" b="1" dirty="0"/>
+              <a:t> </a:t>
+            </a:r>
+            <a:r>
+              <a:rPr lang="hu-HU" b="1" dirty="0" err="1"/>
+              <a:t>Whitehead</a:t>
+            </a:r>
+            <a:r>
+              <a:rPr lang="hu-HU" dirty="0"/>
+              <a:t> kiadta a </a:t>
+            </a:r>
+            <a:r>
+              <a:rPr lang="hu-HU" i="1" dirty="0" err="1"/>
+              <a:t>Principia</a:t>
+            </a:r>
+            <a:r>
+              <a:rPr lang="hu-HU" i="1" dirty="0"/>
+              <a:t> </a:t>
+            </a:r>
+            <a:r>
+              <a:rPr lang="hu-HU" i="1" dirty="0" err="1"/>
+              <a:t>Mathematica</a:t>
+            </a:r>
+            <a:r>
+              <a:rPr lang="hu-HU" dirty="0"/>
+              <a:t>-t, ami forradalmasította a formális logikát. 1943-ban </a:t>
+            </a:r>
+            <a:r>
+              <a:rPr lang="hu-HU" b="1" dirty="0"/>
               <a:t>Warren </a:t>
             </a:r>
             <a:r>
-              <a:rPr lang="hu-HU" dirty="0" err="1"/>
+              <a:rPr lang="hu-HU" b="1" dirty="0" err="1"/>
               <a:t>McCulloch</a:t>
             </a:r>
             <a:r>
               <a:rPr lang="hu-HU" dirty="0"/>
-              <a:t> és Walter </a:t>
-            </a:r>
-            <a:r>
-              <a:rPr lang="hu-HU" dirty="0" err="1"/>
+              <a:t> és </a:t>
+            </a:r>
+            <a:r>
+              <a:rPr lang="hu-HU" b="1" dirty="0"/>
+              <a:t>Walter</a:t>
+            </a:r>
+            <a:r>
+              <a:rPr lang="hu-HU" dirty="0"/>
+              <a:t> </a:t>
+            </a:r>
+            <a:r>
+              <a:rPr lang="hu-HU" b="1" dirty="0" err="1"/>
               <a:t>Pitts</a:t>
             </a:r>
             <a:r>
               <a:rPr lang="hu-HU" dirty="0"/>
-              <a:t> neurális háló modellje (1943), Alan Turing munkássága és a Turing-teszt bevezetése (1950)</a:t>
+              <a:t> kiadták </a:t>
+            </a:r>
+            <a:r>
+              <a:rPr lang="hu-HU" i="1" dirty="0"/>
+              <a:t>Az idegi működés logikai alapjai </a:t>
+            </a:r>
+            <a:r>
+              <a:rPr lang="hu-HU" dirty="0"/>
+              <a:t>című művüket, amellyel megalapították a neuronhálózatok elméletét.</a:t>
             </a:r>
           </a:p>
         </p:txBody>
@@ -7155,8 +7269,8 @@
         </p:blipFill>
         <p:spPr bwMode="auto">
           <a:xfrm>
-            <a:off x="1430716" y="3001161"/>
-            <a:ext cx="3049005" cy="2028974"/>
+            <a:off x="7747627" y="2052918"/>
+            <a:ext cx="3887331" cy="2586842"/>
           </a:xfrm>
           <a:prstGeom prst="rect">
             <a:avLst/>
@@ -7428,7 +7542,33 @@
             </a:r>
             <a:r>
               <a:rPr lang="hu-HU" dirty="0"/>
-              <a:t> robot</a:t>
+              <a:t> robot.</a:t>
+            </a:r>
+          </a:p>
+          <a:p>
+            <a:r>
+              <a:rPr lang="hu-HU" u="sng" dirty="0"/>
+              <a:t>ELIZA robot</a:t>
+            </a:r>
+            <a:r>
+              <a:rPr lang="hu-HU" dirty="0"/>
+              <a:t>: Az </a:t>
+            </a:r>
+            <a:r>
+              <a:rPr lang="hu-HU" b="1" dirty="0"/>
+              <a:t>Eliza</a:t>
+            </a:r>
+            <a:r>
+              <a:rPr lang="hu-HU" dirty="0"/>
+              <a:t> programot Joseph </a:t>
+            </a:r>
+            <a:r>
+              <a:rPr lang="hu-HU" dirty="0" err="1"/>
+              <a:t>Weizenbaum</a:t>
+            </a:r>
+            <a:r>
+              <a:rPr lang="hu-HU" dirty="0"/>
+              <a:t> tervezte 1966-ban az MIT-n, azzal a szándékkal, hogy a program képes legyen részt venni emberrel vagy egy másik programmal folytatott beszélgetésben.</a:t>
             </a:r>
           </a:p>
         </p:txBody>
@@ -7462,7 +7602,7 @@
         </p:blipFill>
         <p:spPr bwMode="auto">
           <a:xfrm>
-            <a:off x="1272375" y="2746346"/>
+            <a:off x="5458481" y="3769803"/>
             <a:ext cx="4304207" cy="2211548"/>
           </a:xfrm>
           <a:prstGeom prst="rect">
@@ -7562,16 +7702,24 @@
         <p:spPr>
           <a:xfrm>
             <a:off x="1103313" y="2052918"/>
-            <a:ext cx="3594600" cy="4195481"/>
+            <a:ext cx="6421612" cy="4195481"/>
           </a:xfrm>
         </p:spPr>
         <p:txBody>
-          <a:bodyPr/>
+          <a:bodyPr>
+            <a:normAutofit/>
+          </a:bodyPr>
           <a:lstStyle/>
           <a:p>
             <a:r>
               <a:rPr lang="hu-HU" dirty="0"/>
-              <a:t>• 1970-es és 1980-as évek kihívásai és kudarcai, amikor az MI kutatás támogatottsága csökkent</a:t>
+              <a:t>• 1970-es és 1980-as évek kihívásai és kudarcai, amikor az MI kutatás támogatottsága csökkent.</a:t>
+            </a:r>
+          </a:p>
+          <a:p>
+            <a:r>
+              <a:rPr lang="hu-HU" dirty="0"/>
+              <a:t>Az emberek nem tudhatják, hogy ennek az intelligenciának a bevezetése milyen hatással lesz az életükre, és az egyik legnagyobb probléma az, hogy a legtöbb ember nem tudja megállapítani, hogy melyik is melyik, vagyis elválasztani a jót a rossztól.  Az MI-forradalom alapvetően hibás, mert maga a nóvum emberi konstrukció, vagyis emberek által, emberek számára készült, és emberekről gyűjtött adatokon alapul.</a:t>
             </a:r>
           </a:p>
         </p:txBody>
@@ -7605,7 +7753,7 @@
         </p:blipFill>
         <p:spPr bwMode="auto">
           <a:xfrm>
-            <a:off x="5608434" y="1758616"/>
+            <a:off x="7766891" y="2151316"/>
             <a:ext cx="3594599" cy="2392042"/>
           </a:xfrm>
           <a:prstGeom prst="rect">
